--- a/S3.0_GitHub.pptx
+++ b/S3.0_GitHub.pptx
@@ -196,7 +196,7 @@
           <a:p>
             <a:fld id="{8569B522-8390-453B-A8F0-3C96BAC841F8}" type="datetimeFigureOut">
               <a:rPr lang="en-US" smtClean="0"/>
-              <a:t>5/9/2015</a:t>
+              <a:t>5/10/2015</a:t>
             </a:fld>
             <a:endParaRPr lang="en-US" dirty="0"/>
           </a:p>
@@ -688,6 +688,98 @@
 </p:notes>
 </file>
 
+<file path=ppt/notesSlides/notesSlide3.xml><?xml version="1.0" encoding="utf-8"?>
+<p:notes xmlns:a="http://schemas.openxmlformats.org/drawingml/2006/main" xmlns:r="http://schemas.openxmlformats.org/officeDocument/2006/relationships" xmlns:p="http://schemas.openxmlformats.org/presentationml/2006/main">
+  <p:cSld>
+    <p:spTree>
+      <p:nvGrpSpPr>
+        <p:cNvPr id="1" name=""/>
+        <p:cNvGrpSpPr/>
+        <p:nvPr/>
+      </p:nvGrpSpPr>
+      <p:grpSpPr>
+        <a:xfrm>
+          <a:off x="0" y="0"/>
+          <a:ext cx="0" cy="0"/>
+          <a:chOff x="0" y="0"/>
+          <a:chExt cx="0" cy="0"/>
+        </a:xfrm>
+      </p:grpSpPr>
+      <p:sp>
+        <p:nvSpPr>
+          <p:cNvPr id="2" name="Slide Image Placeholder 1"/>
+          <p:cNvSpPr>
+            <a:spLocks noGrp="1" noRot="1" noChangeAspect="1"/>
+          </p:cNvSpPr>
+          <p:nvPr>
+            <p:ph type="sldImg"/>
+          </p:nvPr>
+        </p:nvSpPr>
+        <p:spPr/>
+      </p:sp>
+      <p:sp>
+        <p:nvSpPr>
+          <p:cNvPr id="3" name="Notes Placeholder 2"/>
+          <p:cNvSpPr>
+            <a:spLocks noGrp="1"/>
+          </p:cNvSpPr>
+          <p:nvPr>
+            <p:ph type="body" idx="1"/>
+          </p:nvPr>
+        </p:nvSpPr>
+        <p:spPr/>
+        <p:txBody>
+          <a:bodyPr/>
+          <a:lstStyle/>
+          <a:p>
+            <a:r>
+              <a:rPr lang="en-US" dirty="0" smtClean="0"/>
+              <a:t>A</a:t>
+            </a:r>
+            <a:r>
+              <a:rPr lang="en-US" baseline="0" dirty="0" smtClean="0"/>
+              <a:t> GitHub account is needed to create issues or fork repos.</a:t>
+            </a:r>
+            <a:endParaRPr lang="en-US" dirty="0"/>
+          </a:p>
+        </p:txBody>
+      </p:sp>
+      <p:sp>
+        <p:nvSpPr>
+          <p:cNvPr id="4" name="Slide Number Placeholder 3"/>
+          <p:cNvSpPr>
+            <a:spLocks noGrp="1"/>
+          </p:cNvSpPr>
+          <p:nvPr>
+            <p:ph type="sldNum" sz="quarter" idx="10"/>
+          </p:nvPr>
+        </p:nvSpPr>
+        <p:spPr/>
+        <p:txBody>
+          <a:bodyPr/>
+          <a:lstStyle/>
+          <a:p>
+            <a:fld id="{86E298D3-FAEC-4429-BBB2-6E24FE792F56}" type="slidenum">
+              <a:rPr lang="en-US" smtClean="0"/>
+              <a:t>3</a:t>
+            </a:fld>
+            <a:endParaRPr lang="en-US" dirty="0"/>
+          </a:p>
+        </p:txBody>
+      </p:sp>
+    </p:spTree>
+    <p:extLst>
+      <p:ext uri="{BB962C8B-B14F-4D97-AF65-F5344CB8AC3E}">
+        <p14:creationId xmlns:p14="http://schemas.microsoft.com/office/powerpoint/2010/main" val="19778573"/>
+      </p:ext>
+    </p:extLst>
+  </p:cSld>
+  <p:clrMapOvr>
+    <a:masterClrMapping/>
+  </p:clrMapOvr>
+</p:notes>
+</file>
+
 <file path=ppt/slideLayouts/slideLayout1.xml><?xml version="1.0" encoding="utf-8"?>
 <p:sldLayout xmlns:a="http://schemas.openxmlformats.org/drawingml/2006/main" xmlns:r="http://schemas.openxmlformats.org/officeDocument/2006/relationships" xmlns:p="http://schemas.openxmlformats.org/presentationml/2006/main" showMasterSp="0" type="title" preserve="1">
   <p:cSld name="Title Slide">
@@ -889,7 +981,7 @@
                   </a:srgbClr>
                 </a:solidFill>
               </a:rPr>
-              <a:t>5/9/2015</a:t>
+              <a:t>5/10/2015</a:t>
             </a:fld>
             <a:endParaRPr lang="en-US" dirty="0">
               <a:solidFill>
@@ -1131,7 +1223,7 @@
                   </a:srgbClr>
                 </a:solidFill>
               </a:rPr>
-              <a:t>5/9/2015</a:t>
+              <a:t>5/10/2015</a:t>
             </a:fld>
             <a:endParaRPr lang="en-US" dirty="0">
               <a:solidFill>
@@ -1430,7 +1522,7 @@
               <a:pPr>
                 <a:defRPr/>
               </a:pPr>
-              <a:t>5/9/2015</a:t>
+              <a:t>5/10/2015</a:t>
             </a:fld>
             <a:endParaRPr lang="en-US" dirty="0">
               <a:solidFill>
@@ -1652,7 +1744,7 @@
               <a:pPr>
                 <a:defRPr/>
               </a:pPr>
-              <a:t>5/9/2015</a:t>
+              <a:t>5/10/2015</a:t>
             </a:fld>
             <a:endParaRPr lang="en-US" dirty="0">
               <a:solidFill>
@@ -1944,7 +2036,7 @@
               <a:pPr>
                 <a:defRPr/>
               </a:pPr>
-              <a:t>5/9/2015</a:t>
+              <a:t>5/10/2015</a:t>
             </a:fld>
             <a:endParaRPr lang="en-US" dirty="0">
               <a:solidFill>
@@ -2258,7 +2350,7 @@
               <a:pPr>
                 <a:defRPr/>
               </a:pPr>
-              <a:t>5/9/2015</a:t>
+              <a:t>5/10/2015</a:t>
             </a:fld>
             <a:endParaRPr lang="en-US" dirty="0">
               <a:solidFill>
@@ -2686,7 +2778,7 @@
               <a:pPr>
                 <a:defRPr/>
               </a:pPr>
-              <a:t>5/9/2015</a:t>
+              <a:t>5/10/2015</a:t>
             </a:fld>
             <a:endParaRPr lang="en-US" dirty="0">
               <a:solidFill>
@@ -2886,7 +2978,7 @@
               <a:pPr>
                 <a:defRPr/>
               </a:pPr>
-              <a:t>5/9/2015</a:t>
+              <a:t>5/10/2015</a:t>
             </a:fld>
             <a:endParaRPr lang="en-US" dirty="0">
               <a:solidFill>
@@ -3026,7 +3118,7 @@
               <a:pPr>
                 <a:defRPr/>
               </a:pPr>
-              <a:t>5/9/2015</a:t>
+              <a:t>5/10/2015</a:t>
             </a:fld>
             <a:endParaRPr lang="en-US" dirty="0">
               <a:solidFill>
@@ -3337,7 +3429,7 @@
               <a:pPr>
                 <a:defRPr/>
               </a:pPr>
-              <a:t>5/9/2015</a:t>
+              <a:t>5/10/2015</a:t>
             </a:fld>
             <a:endParaRPr lang="en-US" dirty="0">
               <a:solidFill>
@@ -3697,7 +3789,7 @@
               <a:pPr>
                 <a:defRPr/>
               </a:pPr>
-              <a:t>5/9/2015</a:t>
+              <a:t>5/10/2015</a:t>
             </a:fld>
             <a:endParaRPr lang="en-US" dirty="0">
               <a:solidFill>
@@ -4277,7 +4369,7 @@
                   </a:srgbClr>
                 </a:solidFill>
               </a:rPr>
-              <a:t>5/9/2015</a:t>
+              <a:t>5/10/2015</a:t>
             </a:fld>
             <a:endParaRPr lang="en-US" dirty="0">
               <a:solidFill>
@@ -4513,7 +4605,7 @@
               <a:pPr>
                 <a:defRPr/>
               </a:pPr>
-              <a:t>5/9/2015</a:t>
+              <a:t>5/10/2015</a:t>
             </a:fld>
             <a:endParaRPr lang="en-US" dirty="0">
               <a:solidFill>
@@ -4738,7 +4830,7 @@
               <a:pPr>
                 <a:defRPr/>
               </a:pPr>
-              <a:t>5/9/2015</a:t>
+              <a:t>5/10/2015</a:t>
             </a:fld>
             <a:endParaRPr lang="en-US" dirty="0">
               <a:solidFill>
@@ -4983,7 +5075,7 @@
                   </a:srgbClr>
                 </a:solidFill>
               </a:rPr>
-              <a:t>5/9/2015</a:t>
+              <a:t>5/10/2015</a:t>
             </a:fld>
             <a:endParaRPr lang="en-US" dirty="0">
               <a:solidFill>
@@ -5358,7 +5450,7 @@
                   </a:srgbClr>
                 </a:solidFill>
               </a:rPr>
-              <a:t>5/9/2015</a:t>
+              <a:t>5/10/2015</a:t>
             </a:fld>
             <a:endParaRPr lang="en-US" dirty="0">
               <a:solidFill>
@@ -5660,7 +5752,7 @@
                   </a:srgbClr>
                 </a:solidFill>
               </a:rPr>
-              <a:t>5/9/2015</a:t>
+              <a:t>5/10/2015</a:t>
             </a:fld>
             <a:endParaRPr lang="en-US" dirty="0">
               <a:solidFill>
@@ -5817,7 +5909,7 @@
                   </a:srgbClr>
                 </a:solidFill>
               </a:rPr>
-              <a:t>5/9/2015</a:t>
+              <a:t>5/10/2015</a:t>
             </a:fld>
             <a:endParaRPr lang="en-US" dirty="0">
               <a:solidFill>
@@ -6172,7 +6264,7 @@
                   </a:srgbClr>
                 </a:solidFill>
               </a:rPr>
-              <a:t>5/9/2015</a:t>
+              <a:t>5/10/2015</a:t>
             </a:fld>
             <a:endParaRPr lang="en-US" dirty="0">
               <a:solidFill>
@@ -6508,7 +6600,7 @@
                   </a:srgbClr>
                 </a:solidFill>
               </a:rPr>
-              <a:t>5/9/2015</a:t>
+              <a:t>5/10/2015</a:t>
             </a:fld>
             <a:endParaRPr lang="en-US" dirty="0">
               <a:solidFill>
@@ -6745,7 +6837,7 @@
                   </a:srgbClr>
                 </a:solidFill>
               </a:rPr>
-              <a:t>5/9/2015</a:t>
+              <a:t>5/10/2015</a:t>
             </a:fld>
             <a:endParaRPr lang="en-US" dirty="0">
               <a:solidFill>
@@ -7028,7 +7120,7 @@
             <a:fld id="{5AE4DD19-95FB-4280-9209-E7E1030A9938}" type="datetime1">
               <a:rPr lang="en-US" smtClean="0"/>
               <a:pPr/>
-              <a:t>5/9/2015</a:t>
+              <a:t>5/10/2015</a:t>
             </a:fld>
             <a:r>
               <a:rPr lang="en-US" dirty="0" smtClean="0"/>
@@ -8001,7 +8093,7 @@
                 </a:spcAft>
                 <a:defRPr/>
               </a:pPr>
-              <a:t>5/9/2015</a:t>
+              <a:t>5/10/2015</a:t>
             </a:fld>
             <a:endParaRPr lang="en-US" dirty="0">
               <a:solidFill>
@@ -8746,11 +8838,7 @@
             </a:br>
             <a:r>
               <a:rPr lang="en-US" sz="6000" spc="-150" dirty="0" smtClean="0"/>
-              <a:t>- </a:t>
-            </a:r>
-            <a:r>
-              <a:rPr lang="en-US" sz="6000" spc="-150" dirty="0" smtClean="0"/>
-              <a:t>GitHub Intro</a:t>
+              <a:t>- GitHub Intro</a:t>
             </a:r>
             <a:r>
               <a:rPr lang="en-US" sz="6600" spc="-150" dirty="0" smtClean="0"/>
@@ -8963,12 +9051,22 @@
           </a:p>
           <a:p>
             <a:r>
+              <a:rPr lang="en-US" dirty="0"/>
+              <a:t>Project files are stored in  “repositories”, or “repos”</a:t>
+            </a:r>
+          </a:p>
+          <a:p>
+            <a:r>
               <a:rPr lang="en-US" i="1" dirty="0" smtClean="0"/>
               <a:t>GitHub</a:t>
             </a:r>
             <a:r>
               <a:rPr lang="en-US" dirty="0" smtClean="0"/>
-              <a:t> is web-based </a:t>
+              <a:t> </a:t>
+            </a:r>
+            <a:r>
+              <a:rPr lang="en-US" dirty="0" smtClean="0"/>
+              <a:t>is web-based </a:t>
             </a:r>
             <a:r>
               <a:rPr lang="en-US" dirty="0" err="1"/>
@@ -8981,12 +9079,6 @@
             <a:r>
               <a:rPr lang="en-US" dirty="0" smtClean="0"/>
               <a:t>service</a:t>
-            </a:r>
-          </a:p>
-          <a:p>
-            <a:r>
-              <a:rPr lang="en-US" dirty="0" smtClean="0"/>
-              <a:t>Project files are stored in  “repositories”, or “repos”</a:t>
             </a:r>
           </a:p>
           <a:p>
@@ -9029,7 +9121,7 @@
                   </a:srgbClr>
                 </a:solidFill>
               </a:rPr>
-              <a:t>5/9/2015</a:t>
+              <a:t>5/10/2015</a:t>
             </a:fld>
             <a:endParaRPr lang="en-US" dirty="0">
               <a:solidFill>
@@ -9231,13 +9323,15 @@
           <a:p>
             <a:r>
               <a:rPr lang="en-US" dirty="0"/>
-              <a:t>All Toolkit components are available on GitHub</a:t>
-            </a:r>
-          </a:p>
-          <a:p>
+              <a:t>All Toolkit components are available on </a:t>
+            </a:r>
             <a:r>
               <a:rPr lang="en-US" dirty="0" smtClean="0"/>
-              <a:t>Including Workshop materials</a:t>
+              <a:t>GitHub, including </a:t>
+            </a:r>
+            <a:r>
+              <a:rPr lang="en-US" dirty="0" smtClean="0"/>
+              <a:t>Workshop materials</a:t>
             </a:r>
           </a:p>
           <a:p>
@@ -9296,7 +9390,7 @@
                   </a:srgbClr>
                 </a:solidFill>
               </a:rPr>
-              <a:t>5/9/2015</a:t>
+              <a:t>5/10/2015</a:t>
             </a:fld>
             <a:endParaRPr lang="en-US" dirty="0">
               <a:solidFill>
@@ -9432,7 +9526,7 @@
           <a:bodyPr/>
           <a:lstStyle/>
           <a:p>
-            <a:pPr marL="0" indent="0">
+            <a:pPr marL="0" indent="0" algn="ctr">
               <a:buNone/>
             </a:pPr>
             <a:r>
@@ -9449,7 +9543,7 @@
             </a:r>
           </a:p>
           <a:p>
-            <a:pPr marL="0" indent="0">
+            <a:pPr marL="0" indent="0" algn="ctr">
               <a:buNone/>
             </a:pPr>
             <a:endParaRPr lang="en-US" sz="4800" dirty="0" smtClean="0">
@@ -9457,7 +9551,7 @@
             </a:endParaRPr>
           </a:p>
           <a:p>
-            <a:pPr marL="0" indent="0">
+            <a:pPr marL="0" indent="0" algn="ctr">
               <a:buNone/>
             </a:pPr>
             <a:r>
@@ -9475,7 +9569,31 @@
             <a:endParaRPr lang="en-US" sz="3200" dirty="0" smtClean="0"/>
           </a:p>
           <a:p>
-            <a:pPr marL="0" indent="0">
+            <a:pPr marL="0" indent="0" algn="ctr">
+              <a:buNone/>
+            </a:pPr>
+            <a:r>
+              <a:rPr lang="en-US" sz="3200" dirty="0">
+                <a:hlinkClick r:id="rId4"/>
+              </a:rPr>
+              <a:t>https://help.github.com</a:t>
+            </a:r>
+            <a:r>
+              <a:rPr lang="en-US" sz="3200" dirty="0" smtClean="0">
+                <a:hlinkClick r:id="rId4"/>
+              </a:rPr>
+              <a:t>/</a:t>
+            </a:r>
+            <a:endParaRPr lang="en-US" sz="3200" dirty="0" smtClean="0"/>
+          </a:p>
+          <a:p>
+            <a:pPr marL="0" indent="0" algn="ctr">
+              <a:buNone/>
+            </a:pPr>
+            <a:endParaRPr lang="en-US" sz="3200" dirty="0" smtClean="0"/>
+          </a:p>
+          <a:p>
+            <a:pPr marL="0" indent="0" algn="ctr">
               <a:buNone/>
             </a:pPr>
             <a:endParaRPr lang="en-US" sz="3200" dirty="0"/>
@@ -9508,7 +9626,7 @@
                   </a:srgbClr>
                 </a:solidFill>
               </a:rPr>
-              <a:t>5/9/2015</a:t>
+              <a:t>5/10/2015</a:t>
             </a:fld>
             <a:endParaRPr lang="en-US" dirty="0">
               <a:solidFill>
